--- a/Python-Slides/Constructor-in-Python-Session#12.pptx
+++ b/Python-Slides/Constructor-in-Python-Session#12.pptx
@@ -105,6 +105,11 @@
       </a:defRPr>
     </a:lvl9pPr>
   </p:defaultTextStyle>
+  <p:extLst>
+    <p:ext uri="{EFAFB233-063F-42B5-8137-9DF3F51BA10A}">
+      <p15:sldGuideLst xmlns:p15="http://schemas.microsoft.com/office/powerpoint/2012/main"/>
+    </p:ext>
+  </p:extLst>
 </p:presentation>
 </file>
 
@@ -257,7 +262,7 @@
           <a:p>
             <a:fld id="{9E757ED0-4DEC-4850-995E-98B65FA73A0A}" type="datetimeFigureOut">
               <a:rPr lang="en-IN" smtClean="0"/>
-              <a:t>11-11-2020</a:t>
+              <a:t>27-01-2021</a:t>
             </a:fld>
             <a:endParaRPr lang="en-IN"/>
           </a:p>
@@ -457,7 +462,7 @@
           <a:p>
             <a:fld id="{9E757ED0-4DEC-4850-995E-98B65FA73A0A}" type="datetimeFigureOut">
               <a:rPr lang="en-IN" smtClean="0"/>
-              <a:t>11-11-2020</a:t>
+              <a:t>27-01-2021</a:t>
             </a:fld>
             <a:endParaRPr lang="en-IN"/>
           </a:p>
@@ -667,7 +672,7 @@
           <a:p>
             <a:fld id="{9E757ED0-4DEC-4850-995E-98B65FA73A0A}" type="datetimeFigureOut">
               <a:rPr lang="en-IN" smtClean="0"/>
-              <a:t>11-11-2020</a:t>
+              <a:t>27-01-2021</a:t>
             </a:fld>
             <a:endParaRPr lang="en-IN"/>
           </a:p>
@@ -867,7 +872,7 @@
           <a:p>
             <a:fld id="{9E757ED0-4DEC-4850-995E-98B65FA73A0A}" type="datetimeFigureOut">
               <a:rPr lang="en-IN" smtClean="0"/>
-              <a:t>11-11-2020</a:t>
+              <a:t>27-01-2021</a:t>
             </a:fld>
             <a:endParaRPr lang="en-IN"/>
           </a:p>
@@ -1143,7 +1148,7 @@
           <a:p>
             <a:fld id="{9E757ED0-4DEC-4850-995E-98B65FA73A0A}" type="datetimeFigureOut">
               <a:rPr lang="en-IN" smtClean="0"/>
-              <a:t>11-11-2020</a:t>
+              <a:t>27-01-2021</a:t>
             </a:fld>
             <a:endParaRPr lang="en-IN"/>
           </a:p>
@@ -1411,7 +1416,7 @@
           <a:p>
             <a:fld id="{9E757ED0-4DEC-4850-995E-98B65FA73A0A}" type="datetimeFigureOut">
               <a:rPr lang="en-IN" smtClean="0"/>
-              <a:t>11-11-2020</a:t>
+              <a:t>27-01-2021</a:t>
             </a:fld>
             <a:endParaRPr lang="en-IN"/>
           </a:p>
@@ -1826,7 +1831,7 @@
           <a:p>
             <a:fld id="{9E757ED0-4DEC-4850-995E-98B65FA73A0A}" type="datetimeFigureOut">
               <a:rPr lang="en-IN" smtClean="0"/>
-              <a:t>11-11-2020</a:t>
+              <a:t>27-01-2021</a:t>
             </a:fld>
             <a:endParaRPr lang="en-IN"/>
           </a:p>
@@ -1968,7 +1973,7 @@
           <a:p>
             <a:fld id="{9E757ED0-4DEC-4850-995E-98B65FA73A0A}" type="datetimeFigureOut">
               <a:rPr lang="en-IN" smtClean="0"/>
-              <a:t>11-11-2020</a:t>
+              <a:t>27-01-2021</a:t>
             </a:fld>
             <a:endParaRPr lang="en-IN"/>
           </a:p>
@@ -2081,7 +2086,7 @@
           <a:p>
             <a:fld id="{9E757ED0-4DEC-4850-995E-98B65FA73A0A}" type="datetimeFigureOut">
               <a:rPr lang="en-IN" smtClean="0"/>
-              <a:t>11-11-2020</a:t>
+              <a:t>27-01-2021</a:t>
             </a:fld>
             <a:endParaRPr lang="en-IN"/>
           </a:p>
@@ -2394,7 +2399,7 @@
           <a:p>
             <a:fld id="{9E757ED0-4DEC-4850-995E-98B65FA73A0A}" type="datetimeFigureOut">
               <a:rPr lang="en-IN" smtClean="0"/>
-              <a:t>11-11-2020</a:t>
+              <a:t>27-01-2021</a:t>
             </a:fld>
             <a:endParaRPr lang="en-IN"/>
           </a:p>
@@ -2683,7 +2688,7 @@
           <a:p>
             <a:fld id="{9E757ED0-4DEC-4850-995E-98B65FA73A0A}" type="datetimeFigureOut">
               <a:rPr lang="en-IN" smtClean="0"/>
-              <a:t>11-11-2020</a:t>
+              <a:t>27-01-2021</a:t>
             </a:fld>
             <a:endParaRPr lang="en-IN"/>
           </a:p>
@@ -2926,7 +2931,7 @@
           <a:p>
             <a:fld id="{9E757ED0-4DEC-4850-995E-98B65FA73A0A}" type="datetimeFigureOut">
               <a:rPr lang="en-IN" smtClean="0"/>
-              <a:t>11-11-2020</a:t>
+              <a:t>27-01-2021</a:t>
             </a:fld>
             <a:endParaRPr lang="en-IN"/>
           </a:p>
@@ -3421,7 +3426,15 @@
           <a:p>
             <a:r>
               <a:rPr lang="en-US" dirty="0"/>
-              <a:t>  class Employee:</a:t>
+              <a:t>  </a:t>
+            </a:r>
+            <a:r>
+              <a:rPr lang="en-US" b="1" dirty="0"/>
+              <a:t>class</a:t>
+            </a:r>
+            <a:r>
+              <a:rPr lang="en-US" dirty="0"/>
+              <a:t> Employee:</a:t>
             </a:r>
           </a:p>
           <a:p>
@@ -3642,14 +3655,26 @@
               <a:t> </a:t>
             </a:r>
             <a:r>
-              <a:rPr lang="en-US" dirty="0" err="1"/>
+              <a:rPr lang="en-US" dirty="0" err="1">
+                <a:solidFill>
+                  <a:srgbClr val="FF0000"/>
+                </a:solidFill>
+              </a:rPr>
               <a:t>init</a:t>
             </a:r>
             <a:r>
-              <a:rPr lang="en-US" dirty="0"/>
+              <a:rPr lang="en-US" dirty="0">
+                <a:solidFill>
+                  <a:srgbClr val="FF0000"/>
+                </a:solidFill>
+              </a:rPr>
               <a:t> method acts as the Constructor</a:t>
             </a:r>
-            <a:endParaRPr lang="en-IN" dirty="0"/>
+            <a:endParaRPr lang="en-IN" dirty="0">
+              <a:solidFill>
+                <a:srgbClr val="FF0000"/>
+              </a:solidFill>
+            </a:endParaRPr>
           </a:p>
         </p:txBody>
       </p:sp>
@@ -3773,7 +3798,15 @@
           <a:p>
             <a:r>
               <a:rPr lang="en-US" dirty="0"/>
-              <a:t> Output:</a:t>
+              <a:t> </a:t>
+            </a:r>
+            <a:r>
+              <a:rPr lang="en-US" dirty="0">
+                <a:solidFill>
+                  <a:srgbClr val="FF0000"/>
+                </a:solidFill>
+              </a:rPr>
+              <a:t>Output:</a:t>
             </a:r>
           </a:p>
           <a:p>
@@ -3910,10 +3943,18 @@
           <a:lstStyle/>
           <a:p>
             <a:r>
-              <a:rPr lang="en-US" dirty="0"/>
+              <a:rPr lang="en-US" dirty="0">
+                <a:solidFill>
+                  <a:srgbClr val="FF0000"/>
+                </a:solidFill>
+              </a:rPr>
               <a:t>Instantiating the ‘e1’ Object</a:t>
             </a:r>
-            <a:endParaRPr lang="en-IN" dirty="0"/>
+            <a:endParaRPr lang="en-IN" dirty="0">
+              <a:solidFill>
+                <a:srgbClr val="FF0000"/>
+              </a:solidFill>
+            </a:endParaRPr>
           </a:p>
         </p:txBody>
       </p:sp>
@@ -3946,24 +3987,44 @@
           <a:lstStyle/>
           <a:p>
             <a:r>
-              <a:rPr lang="en-US" dirty="0"/>
+              <a:rPr lang="en-US" dirty="0">
+                <a:solidFill>
+                  <a:srgbClr val="FF0000"/>
+                </a:solidFill>
+              </a:rPr>
               <a:t>Invoking the ‘</a:t>
             </a:r>
             <a:r>
-              <a:rPr lang="en-US" dirty="0" err="1"/>
+              <a:rPr lang="en-US" dirty="0" err="1">
+                <a:solidFill>
+                  <a:srgbClr val="FF0000"/>
+                </a:solidFill>
+              </a:rPr>
               <a:t>employee_details</a:t>
             </a:r>
             <a:r>
-              <a:rPr lang="en-US" dirty="0"/>
+              <a:rPr lang="en-US" dirty="0">
+                <a:solidFill>
+                  <a:srgbClr val="FF0000"/>
+                </a:solidFill>
+              </a:rPr>
               <a:t>’</a:t>
             </a:r>
           </a:p>
           <a:p>
             <a:r>
-              <a:rPr lang="en-US" dirty="0"/>
+              <a:rPr lang="en-US" dirty="0">
+                <a:solidFill>
+                  <a:srgbClr val="FF0000"/>
+                </a:solidFill>
+              </a:rPr>
               <a:t> method</a:t>
             </a:r>
-            <a:endParaRPr lang="en-IN" dirty="0"/>
+            <a:endParaRPr lang="en-IN" dirty="0">
+              <a:solidFill>
+                <a:srgbClr val="FF0000"/>
+              </a:solidFill>
+            </a:endParaRPr>
           </a:p>
         </p:txBody>
       </p:sp>
